--- a/m29/ppt/презентация.pptx
+++ b/m29/ppt/презентация.pptx
@@ -12,11 +12,11 @@
   <p:sldIdLst>
     <p:sldId id="432" r:id="rId4"/>
     <p:sldId id="433" r:id="rId5"/>
-    <p:sldId id="435" r:id="rId6"/>
-    <p:sldId id="434" r:id="rId7"/>
-    <p:sldId id="436" r:id="rId8"/>
-    <p:sldId id="437" r:id="rId9"/>
-    <p:sldId id="438" r:id="rId10"/>
+    <p:sldId id="438" r:id="rId6"/>
+    <p:sldId id="435" r:id="rId7"/>
+    <p:sldId id="434" r:id="rId8"/>
+    <p:sldId id="436" r:id="rId9"/>
+    <p:sldId id="437" r:id="rId10"/>
     <p:sldId id="439" r:id="rId11"/>
     <p:sldId id="440" r:id="rId12"/>
     <p:sldId id="441" r:id="rId13"/>
@@ -10223,7 +10223,7 @@
           <a:p>
             <a:fld id="{EF790F8C-5FB9-4EFE-BCC7-F735A3026FD8}" type="datetimeFigureOut">
               <a:rPr lang="ru-RU" smtClean="0"/>
-              <a:t>07.11.2024</a:t>
+              <a:t>22.11.2024</a:t>
             </a:fld>
             <a:endParaRPr lang="ru-RU"/>
           </a:p>
@@ -16918,6 +16918,83 @@
       </p:grpSpPr>
       <p:pic>
         <p:nvPicPr>
+          <p:cNvPr id="4098" name="Picture 2" descr="https://proproprogs.ru/htm/modules/files/matplotlib-ustanovka-paketa-i-osnovnye-vozmozhnosti.files/image005.jpg">
+            <a:extLst>
+              <a:ext uri="{FF2B5EF4-FFF2-40B4-BE49-F238E27FC236}">
+                <a16:creationId xmlns:a16="http://schemas.microsoft.com/office/drawing/2014/main" id="{807C5F24-CC0B-4E75-ACD4-1BC59FFAE781}"/>
+              </a:ext>
+            </a:extLst>
+          </p:cNvPr>
+          <p:cNvPicPr>
+            <a:picLocks noChangeAspect="1" noChangeArrowheads="1"/>
+          </p:cNvPicPr>
+          <p:nvPr/>
+        </p:nvPicPr>
+        <p:blipFill>
+          <a:blip r:embed="rId2">
+            <a:extLst>
+              <a:ext uri="{28A0092B-C50C-407E-A947-70E740481C1C}">
+                <a14:useLocalDpi xmlns:a14="http://schemas.microsoft.com/office/drawing/2010/main" val="0"/>
+              </a:ext>
+            </a:extLst>
+          </a:blip>
+          <a:srcRect/>
+          <a:stretch>
+            <a:fillRect/>
+          </a:stretch>
+        </p:blipFill>
+        <p:spPr bwMode="auto">
+          <a:xfrm>
+            <a:off x="315382" y="0"/>
+            <a:ext cx="4584700" cy="5143500"/>
+          </a:xfrm>
+          <a:prstGeom prst="rect">
+            <a:avLst/>
+          </a:prstGeom>
+          <a:noFill/>
+          <a:extLst>
+            <a:ext uri="{909E8E84-426E-40DD-AFC4-6F175D3DCCD1}">
+              <a14:hiddenFill xmlns:a14="http://schemas.microsoft.com/office/drawing/2010/main">
+                <a:solidFill>
+                  <a:srgbClr val="FFFFFF"/>
+                </a:solidFill>
+              </a14:hiddenFill>
+            </a:ext>
+          </a:extLst>
+        </p:spPr>
+      </p:pic>
+    </p:spTree>
+    <p:extLst>
+      <p:ext uri="{BB962C8B-B14F-4D97-AF65-F5344CB8AC3E}">
+        <p14:creationId xmlns:p14="http://schemas.microsoft.com/office/powerpoint/2010/main" val="393596535"/>
+      </p:ext>
+    </p:extLst>
+  </p:cSld>
+  <p:clrMapOvr>
+    <a:masterClrMapping/>
+  </p:clrMapOvr>
+</p:sld>
+</file>
+
+<file path=ppt/slides/slide4.xml><?xml version="1.0" encoding="utf-8"?>
+<p:sld xmlns:a="http://schemas.openxmlformats.org/drawingml/2006/main" xmlns:r="http://schemas.openxmlformats.org/officeDocument/2006/relationships" xmlns:p="http://schemas.openxmlformats.org/presentationml/2006/main">
+  <p:cSld>
+    <p:spTree>
+      <p:nvGrpSpPr>
+        <p:cNvPr id="1" name=""/>
+        <p:cNvGrpSpPr/>
+        <p:nvPr/>
+      </p:nvGrpSpPr>
+      <p:grpSpPr>
+        <a:xfrm>
+          <a:off x="0" y="0"/>
+          <a:ext cx="0" cy="0"/>
+          <a:chOff x="0" y="0"/>
+          <a:chExt cx="0" cy="0"/>
+        </a:xfrm>
+      </p:grpSpPr>
+      <p:pic>
+        <p:nvPicPr>
           <p:cNvPr id="3" name="Рисунок 2">
             <a:extLst>
               <a:ext uri="{FF2B5EF4-FFF2-40B4-BE49-F238E27FC236}">
@@ -16997,7 +17074,7 @@
 </p:sld>
 </file>
 
-<file path=ppt/slides/slide4.xml><?xml version="1.0" encoding="utf-8"?>
+<file path=ppt/slides/slide5.xml><?xml version="1.0" encoding="utf-8"?>
 <p:sld xmlns:a="http://schemas.openxmlformats.org/drawingml/2006/main" xmlns:r="http://schemas.openxmlformats.org/officeDocument/2006/relationships" xmlns:p="http://schemas.openxmlformats.org/presentationml/2006/main">
   <p:cSld>
     <p:spTree>
@@ -17083,7 +17160,7 @@
 </p:sld>
 </file>
 
-<file path=ppt/slides/slide5.xml><?xml version="1.0" encoding="utf-8"?>
+<file path=ppt/slides/slide6.xml><?xml version="1.0" encoding="utf-8"?>
 <p:sld xmlns:a="http://schemas.openxmlformats.org/drawingml/2006/main" xmlns:r="http://schemas.openxmlformats.org/officeDocument/2006/relationships" xmlns:p="http://schemas.openxmlformats.org/presentationml/2006/main">
   <p:cSld>
     <p:spTree>
@@ -17169,7 +17246,7 @@
 </p:sld>
 </file>
 
-<file path=ppt/slides/slide6.xml><?xml version="1.0" encoding="utf-8"?>
+<file path=ppt/slides/slide7.xml><?xml version="1.0" encoding="utf-8"?>
 <p:sld xmlns:a="http://schemas.openxmlformats.org/drawingml/2006/main" xmlns:r="http://schemas.openxmlformats.org/officeDocument/2006/relationships" xmlns:p="http://schemas.openxmlformats.org/presentationml/2006/main">
   <p:cSld>
     <p:spTree>
@@ -17237,83 +17314,6 @@
     <p:extLst>
       <p:ext uri="{BB962C8B-B14F-4D97-AF65-F5344CB8AC3E}">
         <p14:creationId xmlns:p14="http://schemas.microsoft.com/office/powerpoint/2010/main" val="709758596"/>
-      </p:ext>
-    </p:extLst>
-  </p:cSld>
-  <p:clrMapOvr>
-    <a:masterClrMapping/>
-  </p:clrMapOvr>
-</p:sld>
-</file>
-
-<file path=ppt/slides/slide7.xml><?xml version="1.0" encoding="utf-8"?>
-<p:sld xmlns:a="http://schemas.openxmlformats.org/drawingml/2006/main" xmlns:r="http://schemas.openxmlformats.org/officeDocument/2006/relationships" xmlns:p="http://schemas.openxmlformats.org/presentationml/2006/main">
-  <p:cSld>
-    <p:spTree>
-      <p:nvGrpSpPr>
-        <p:cNvPr id="1" name=""/>
-        <p:cNvGrpSpPr/>
-        <p:nvPr/>
-      </p:nvGrpSpPr>
-      <p:grpSpPr>
-        <a:xfrm>
-          <a:off x="0" y="0"/>
-          <a:ext cx="0" cy="0"/>
-          <a:chOff x="0" y="0"/>
-          <a:chExt cx="0" cy="0"/>
-        </a:xfrm>
-      </p:grpSpPr>
-      <p:pic>
-        <p:nvPicPr>
-          <p:cNvPr id="4098" name="Picture 2" descr="https://proproprogs.ru/htm/modules/files/matplotlib-ustanovka-paketa-i-osnovnye-vozmozhnosti.files/image005.jpg">
-            <a:extLst>
-              <a:ext uri="{FF2B5EF4-FFF2-40B4-BE49-F238E27FC236}">
-                <a16:creationId xmlns:a16="http://schemas.microsoft.com/office/drawing/2014/main" id="{807C5F24-CC0B-4E75-ACD4-1BC59FFAE781}"/>
-              </a:ext>
-            </a:extLst>
-          </p:cNvPr>
-          <p:cNvPicPr>
-            <a:picLocks noChangeAspect="1" noChangeArrowheads="1"/>
-          </p:cNvPicPr>
-          <p:nvPr/>
-        </p:nvPicPr>
-        <p:blipFill>
-          <a:blip r:embed="rId2">
-            <a:extLst>
-              <a:ext uri="{28A0092B-C50C-407E-A947-70E740481C1C}">
-                <a14:useLocalDpi xmlns:a14="http://schemas.microsoft.com/office/drawing/2010/main" val="0"/>
-              </a:ext>
-            </a:extLst>
-          </a:blip>
-          <a:srcRect/>
-          <a:stretch>
-            <a:fillRect/>
-          </a:stretch>
-        </p:blipFill>
-        <p:spPr bwMode="auto">
-          <a:xfrm>
-            <a:off x="315382" y="0"/>
-            <a:ext cx="4584700" cy="5143500"/>
-          </a:xfrm>
-          <a:prstGeom prst="rect">
-            <a:avLst/>
-          </a:prstGeom>
-          <a:noFill/>
-          <a:extLst>
-            <a:ext uri="{909E8E84-426E-40DD-AFC4-6F175D3DCCD1}">
-              <a14:hiddenFill xmlns:a14="http://schemas.microsoft.com/office/drawing/2010/main">
-                <a:solidFill>
-                  <a:srgbClr val="FFFFFF"/>
-                </a:solidFill>
-              </a14:hiddenFill>
-            </a:ext>
-          </a:extLst>
-        </p:spPr>
-      </p:pic>
-    </p:spTree>
-    <p:extLst>
-      <p:ext uri="{BB962C8B-B14F-4D97-AF65-F5344CB8AC3E}">
-        <p14:creationId xmlns:p14="http://schemas.microsoft.com/office/powerpoint/2010/main" val="393596535"/>
       </p:ext>
     </p:extLst>
   </p:cSld>
